--- a/Decision Support System.pptx
+++ b/Decision Support System.pptx
@@ -5,7 +5,7 @@
     <p:sldMasterId id="2147483696" r:id="rId1"/>
   </p:sldMasterIdLst>
   <p:notesMasterIdLst>
-    <p:notesMasterId r:id="rId26"/>
+    <p:notesMasterId r:id="rId35"/>
   </p:notesMasterIdLst>
   <p:sldIdLst>
     <p:sldId id="256" r:id="rId2"/>
@@ -32,6 +32,15 @@
     <p:sldId id="307" r:id="rId23"/>
     <p:sldId id="302" r:id="rId24"/>
     <p:sldId id="309" r:id="rId25"/>
+    <p:sldId id="313" r:id="rId26"/>
+    <p:sldId id="311" r:id="rId27"/>
+    <p:sldId id="315" r:id="rId28"/>
+    <p:sldId id="316" r:id="rId29"/>
+    <p:sldId id="314" r:id="rId30"/>
+    <p:sldId id="317" r:id="rId31"/>
+    <p:sldId id="318" r:id="rId32"/>
+    <p:sldId id="319" r:id="rId33"/>
+    <p:sldId id="320" r:id="rId34"/>
   </p:sldIdLst>
   <p:sldSz cx="12192000" cy="6858000"/>
   <p:notesSz cx="6858000" cy="9144000"/>
@@ -215,7 +224,7 @@
           <a:p>
             <a:fld id="{D99BB5EA-9421-492F-8846-917985816446}" type="datetimeFigureOut">
               <a:rPr lang="tr-TR" smtClean="0"/>
-              <a:t>14.12.2015</a:t>
+              <a:t>17/12/15</a:t>
             </a:fld>
             <a:endParaRPr lang="tr-TR"/>
           </a:p>
@@ -530,7 +539,7 @@
         <p:nvSpPr>
           <p:cNvPr id="95234" name="Rectangle 2"/>
           <p:cNvSpPr>
-            <a:spLocks noRot="1" noChangeArrowheads="1" noTextEdit="1"/>
+            <a:spLocks noGrp="1" noRot="1" noChangeAspect="1" noChangeArrowheads="1" noTextEdit="1"/>
           </p:cNvSpPr>
           <p:nvPr>
             <p:ph type="sldImg"/>
@@ -623,7 +632,7 @@
         <p:nvSpPr>
           <p:cNvPr id="98306" name="Rectangle 2"/>
           <p:cNvSpPr>
-            <a:spLocks noRot="1" noChangeArrowheads="1" noTextEdit="1"/>
+            <a:spLocks noGrp="1" noRot="1" noChangeAspect="1" noChangeArrowheads="1" noTextEdit="1"/>
           </p:cNvSpPr>
           <p:nvPr>
             <p:ph type="sldImg"/>
@@ -716,7 +725,7 @@
         <p:nvSpPr>
           <p:cNvPr id="233474" name="Rectangle 2"/>
           <p:cNvSpPr>
-            <a:spLocks noRot="1" noChangeArrowheads="1" noTextEdit="1"/>
+            <a:spLocks noGrp="1" noRot="1" noChangeAspect="1" noChangeArrowheads="1" noTextEdit="1"/>
           </p:cNvSpPr>
           <p:nvPr>
             <p:ph type="sldImg"/>
@@ -900,7 +909,7 @@
           <a:p>
             <a:fld id="{51C2709A-5AA6-468A-A7B8-F14C326009D9}" type="datetimeFigureOut">
               <a:rPr lang="tr-TR" smtClean="0"/>
-              <a:t>13.12.2015</a:t>
+              <a:t>17/12/15</a:t>
             </a:fld>
             <a:endParaRPr lang="tr-TR"/>
           </a:p>
@@ -960,7 +969,7 @@
   </p:clrMapOvr>
   <p:extLst>
     <p:ext uri="{DCECCB84-F9BA-43D5-87BE-67443E8EF086}">
-      <p15:sldGuideLst xmlns:p15="http://schemas.microsoft.com/office/powerpoint/2012/main"/>
+      <p15:sldGuideLst xmlns:p15="http://schemas.microsoft.com/office/powerpoint/2012/main" xmlns=""/>
     </p:ext>
   </p:extLst>
 </p:sldLayout>
@@ -1075,7 +1084,7 @@
           <a:p>
             <a:fld id="{51C2709A-5AA6-468A-A7B8-F14C326009D9}" type="datetimeFigureOut">
               <a:rPr lang="tr-TR" smtClean="0"/>
-              <a:t>13.12.2015</a:t>
+              <a:t>17/12/15</a:t>
             </a:fld>
             <a:endParaRPr lang="tr-TR"/>
           </a:p>
@@ -1255,7 +1264,7 @@
           <a:p>
             <a:fld id="{51C2709A-5AA6-468A-A7B8-F14C326009D9}" type="datetimeFigureOut">
               <a:rPr lang="tr-TR" smtClean="0"/>
-              <a:t>13.12.2015</a:t>
+              <a:t>17/12/15</a:t>
             </a:fld>
             <a:endParaRPr lang="tr-TR"/>
           </a:p>
@@ -1425,7 +1434,7 @@
           <a:p>
             <a:fld id="{51C2709A-5AA6-468A-A7B8-F14C326009D9}" type="datetimeFigureOut">
               <a:rPr lang="tr-TR" smtClean="0"/>
-              <a:t>13.12.2015</a:t>
+              <a:t>17/12/15</a:t>
             </a:fld>
             <a:endParaRPr lang="tr-TR"/>
           </a:p>
@@ -1676,7 +1685,7 @@
           <a:p>
             <a:fld id="{51C2709A-5AA6-468A-A7B8-F14C326009D9}" type="datetimeFigureOut">
               <a:rPr lang="tr-TR" smtClean="0"/>
-              <a:t>13.12.2015</a:t>
+              <a:t>17/12/15</a:t>
             </a:fld>
             <a:endParaRPr lang="tr-TR"/>
           </a:p>
@@ -1908,7 +1917,7 @@
           <a:p>
             <a:fld id="{51C2709A-5AA6-468A-A7B8-F14C326009D9}" type="datetimeFigureOut">
               <a:rPr lang="tr-TR" smtClean="0"/>
-              <a:t>13.12.2015</a:t>
+              <a:t>17/12/15</a:t>
             </a:fld>
             <a:endParaRPr lang="tr-TR"/>
           </a:p>
@@ -2255,7 +2264,7 @@
           <a:p>
             <a:fld id="{51C2709A-5AA6-468A-A7B8-F14C326009D9}" type="datetimeFigureOut">
               <a:rPr lang="tr-TR" smtClean="0"/>
-              <a:t>13.12.2015</a:t>
+              <a:t>17/12/15</a:t>
             </a:fld>
             <a:endParaRPr lang="tr-TR"/>
           </a:p>
@@ -2373,7 +2382,7 @@
           <a:p>
             <a:fld id="{51C2709A-5AA6-468A-A7B8-F14C326009D9}" type="datetimeFigureOut">
               <a:rPr lang="tr-TR" smtClean="0"/>
-              <a:t>13.12.2015</a:t>
+              <a:t>17/12/15</a:t>
             </a:fld>
             <a:endParaRPr lang="tr-TR"/>
           </a:p>
@@ -2491,7 +2500,7 @@
           <a:p>
             <a:fld id="{51C2709A-5AA6-468A-A7B8-F14C326009D9}" type="datetimeFigureOut">
               <a:rPr lang="tr-TR" smtClean="0"/>
-              <a:t>13.12.2015</a:t>
+              <a:t>17/12/15</a:t>
             </a:fld>
             <a:endParaRPr lang="tr-TR"/>
           </a:p>
@@ -2551,7 +2560,7 @@
   </p:clrMapOvr>
   <p:extLst>
     <p:ext uri="{DCECCB84-F9BA-43D5-87BE-67443E8EF086}">
-      <p15:sldGuideLst xmlns:p15="http://schemas.microsoft.com/office/powerpoint/2012/main"/>
+      <p15:sldGuideLst xmlns:p15="http://schemas.microsoft.com/office/powerpoint/2012/main" xmlns=""/>
     </p:ext>
   </p:extLst>
 </p:sldLayout>
@@ -2780,7 +2789,7 @@
           <a:p>
             <a:fld id="{51C2709A-5AA6-468A-A7B8-F14C326009D9}" type="datetimeFigureOut">
               <a:rPr lang="tr-TR" smtClean="0"/>
-              <a:t>13.12.2015</a:t>
+              <a:t>17/12/15</a:t>
             </a:fld>
             <a:endParaRPr lang="tr-TR"/>
           </a:p>
@@ -2840,7 +2849,7 @@
   </p:clrMapOvr>
   <p:extLst>
     <p:ext uri="{DCECCB84-F9BA-43D5-87BE-67443E8EF086}">
-      <p15:sldGuideLst xmlns:p15="http://schemas.microsoft.com/office/powerpoint/2012/main"/>
+      <p15:sldGuideLst xmlns:p15="http://schemas.microsoft.com/office/powerpoint/2012/main" xmlns=""/>
     </p:ext>
   </p:extLst>
 </p:sldLayout>
@@ -3049,7 +3058,7 @@
           <a:p>
             <a:fld id="{51C2709A-5AA6-468A-A7B8-F14C326009D9}" type="datetimeFigureOut">
               <a:rPr lang="tr-TR" smtClean="0"/>
-              <a:t>13.12.2015</a:t>
+              <a:t>17/12/15</a:t>
             </a:fld>
             <a:endParaRPr lang="tr-TR"/>
           </a:p>
@@ -3263,7 +3272,7 @@
           <a:p>
             <a:fld id="{51C2709A-5AA6-468A-A7B8-F14C326009D9}" type="datetimeFigureOut">
               <a:rPr lang="tr-TR" smtClean="0"/>
-              <a:t>13.12.2015</a:t>
+              <a:t>17/12/15</a:t>
             </a:fld>
             <a:endParaRPr lang="tr-TR"/>
           </a:p>
@@ -3639,7 +3648,7 @@
   </p:txStyles>
   <p:extLst>
     <p:ext uri="{27BBF7A9-308A-43DC-89C8-2F10F3537804}">
-      <p15:sldGuideLst xmlns:p15="http://schemas.microsoft.com/office/powerpoint/2012/main"/>
+      <p15:sldGuideLst xmlns:p15="http://schemas.microsoft.com/office/powerpoint/2012/main" xmlns=""/>
     </p:ext>
   </p:extLst>
 </p:sldMaster>
@@ -3752,6 +3761,13 @@
   <p:clrMapOvr>
     <a:masterClrMapping/>
   </p:clrMapOvr>
+  <p:timing>
+    <p:tnLst>
+      <p:par>
+        <p:cTn xmlns:p14="http://schemas.microsoft.com/office/powerpoint/2010/main" id="1" dur="indefinite" restart="never" nodeType="tmRoot"/>
+      </p:par>
+    </p:tnLst>
+  </p:timing>
 </p:sld>
 </file>
 
@@ -4080,6 +4096,13 @@
   <p:clrMapOvr>
     <a:masterClrMapping/>
   </p:clrMapOvr>
+  <p:timing>
+    <p:tnLst>
+      <p:par>
+        <p:cTn xmlns:p14="http://schemas.microsoft.com/office/powerpoint/2010/main" id="1" dur="indefinite" restart="never" nodeType="tmRoot"/>
+      </p:par>
+    </p:tnLst>
+  </p:timing>
 </p:sld>
 </file>
 
@@ -4249,6 +4272,13 @@
   <p:clrMapOvr>
     <a:masterClrMapping/>
   </p:clrMapOvr>
+  <p:timing>
+    <p:tnLst>
+      <p:par>
+        <p:cTn xmlns:p14="http://schemas.microsoft.com/office/powerpoint/2010/main" id="1" dur="indefinite" restart="never" nodeType="tmRoot"/>
+      </p:par>
+    </p:tnLst>
+  </p:timing>
 </p:sld>
 </file>
 
@@ -4341,6 +4371,13 @@
   <p:clrMapOvr>
     <a:masterClrMapping/>
   </p:clrMapOvr>
+  <p:timing>
+    <p:tnLst>
+      <p:par>
+        <p:cTn xmlns:p14="http://schemas.microsoft.com/office/powerpoint/2010/main" id="1" dur="indefinite" restart="never" nodeType="tmRoot"/>
+      </p:par>
+    </p:tnLst>
+  </p:timing>
 </p:sld>
 </file>
 
@@ -4520,7 +4557,14 @@
   <p:clrMapOvr>
     <a:masterClrMapping/>
   </p:clrMapOvr>
-  <p:transition/>
+  <p:transition xmlns:p14="http://schemas.microsoft.com/office/powerpoint/2010/main"/>
+  <p:timing>
+    <p:tnLst>
+      <p:par>
+        <p:cTn xmlns:p14="http://schemas.microsoft.com/office/powerpoint/2010/main" id="1" dur="indefinite" restart="never" nodeType="tmRoot"/>
+      </p:par>
+    </p:tnLst>
+  </p:timing>
 </p:sld>
 </file>
 
@@ -4617,6 +4661,13 @@
   <p:clrMapOvr>
     <a:masterClrMapping/>
   </p:clrMapOvr>
+  <p:timing>
+    <p:tnLst>
+      <p:par>
+        <p:cTn xmlns:p14="http://schemas.microsoft.com/office/powerpoint/2010/main" id="1" dur="indefinite" restart="never" nodeType="tmRoot"/>
+      </p:par>
+    </p:tnLst>
+  </p:timing>
 </p:sld>
 </file>
 
@@ -4828,6 +4879,13 @@
   <p:clrMapOvr>
     <a:masterClrMapping/>
   </p:clrMapOvr>
+  <p:timing>
+    <p:tnLst>
+      <p:par>
+        <p:cTn xmlns:p14="http://schemas.microsoft.com/office/powerpoint/2010/main" id="1" dur="indefinite" restart="never" nodeType="tmRoot"/>
+      </p:par>
+    </p:tnLst>
+  </p:timing>
 </p:sld>
 </file>
 
@@ -4976,6 +5034,13 @@
   <p:clrMapOvr>
     <a:masterClrMapping/>
   </p:clrMapOvr>
+  <p:timing>
+    <p:tnLst>
+      <p:par>
+        <p:cTn xmlns:p14="http://schemas.microsoft.com/office/powerpoint/2010/main" id="1" dur="indefinite" restart="never" nodeType="tmRoot"/>
+      </p:par>
+    </p:tnLst>
+  </p:timing>
 </p:sld>
 </file>
 
@@ -5144,14 +5209,14 @@
               <a:noFill/>
             </a:ln>
             <a:extLst>
-              <a:ext uri="{909E8E84-426E-40DD-AFC4-6F175D3DCCD1}">
+              <a:ext uri="{909E8E84-426E-40dd-AFC4-6F175D3DCCD1}">
                 <a14:hiddenFill xmlns:a14="http://schemas.microsoft.com/office/drawing/2010/main">
                   <a:solidFill>
                     <a:srgbClr val="FFFFFF"/>
                   </a:solidFill>
                 </a14:hiddenFill>
               </a:ext>
-              <a:ext uri="{91240B29-F687-4F45-9708-019B960494DF}">
+              <a:ext uri="{91240B29-F687-4f45-9708-019B960494DF}">
                 <a14:hiddenLine xmlns:a14="http://schemas.microsoft.com/office/drawing/2010/main" w="9525">
                   <a:solidFill>
                     <a:srgbClr val="000000"/>
@@ -5194,7 +5259,7 @@
               <a:noFill/>
             </a:ln>
             <a:extLst>
-              <a:ext uri="{91240B29-F687-4F45-9708-019B960494DF}">
+              <a:ext uri="{91240B29-F687-4f45-9708-019B960494DF}">
                 <a14:hiddenLine xmlns:a14="http://schemas.microsoft.com/office/drawing/2010/main" w="9525">
                   <a:solidFill>
                     <a:srgbClr val="000000"/>
@@ -5237,7 +5302,7 @@
               <a:noFill/>
             </a:ln>
             <a:extLst>
-              <a:ext uri="{91240B29-F687-4F45-9708-019B960494DF}">
+              <a:ext uri="{91240B29-F687-4f45-9708-019B960494DF}">
                 <a14:hiddenLine xmlns:a14="http://schemas.microsoft.com/office/drawing/2010/main" w="9525">
                   <a:solidFill>
                     <a:srgbClr val="000000"/>
@@ -5280,7 +5345,7 @@
               <a:noFill/>
             </a:ln>
             <a:extLst>
-              <a:ext uri="{91240B29-F687-4F45-9708-019B960494DF}">
+              <a:ext uri="{91240B29-F687-4f45-9708-019B960494DF}">
                 <a14:hiddenLine xmlns:a14="http://schemas.microsoft.com/office/drawing/2010/main" w="9525">
                   <a:solidFill>
                     <a:srgbClr val="000000"/>
@@ -5323,7 +5388,7 @@
               <a:noFill/>
             </a:ln>
             <a:extLst>
-              <a:ext uri="{91240B29-F687-4F45-9708-019B960494DF}">
+              <a:ext uri="{91240B29-F687-4f45-9708-019B960494DF}">
                 <a14:hiddenLine xmlns:a14="http://schemas.microsoft.com/office/drawing/2010/main" w="9525">
                   <a:solidFill>
                     <a:srgbClr val="000000"/>
@@ -5400,14 +5465,14 @@
               <a:noFill/>
             </a:ln>
             <a:extLst>
-              <a:ext uri="{909E8E84-426E-40DD-AFC4-6F175D3DCCD1}">
+              <a:ext uri="{909E8E84-426E-40dd-AFC4-6F175D3DCCD1}">
                 <a14:hiddenFill xmlns:a14="http://schemas.microsoft.com/office/drawing/2010/main">
                   <a:solidFill>
                     <a:srgbClr val="FFFFFF"/>
                   </a:solidFill>
                 </a14:hiddenFill>
               </a:ext>
-              <a:ext uri="{91240B29-F687-4F45-9708-019B960494DF}">
+              <a:ext uri="{91240B29-F687-4f45-9708-019B960494DF}">
                 <a14:hiddenLine xmlns:a14="http://schemas.microsoft.com/office/drawing/2010/main" w="9525">
                   <a:solidFill>
                     <a:srgbClr val="000000"/>
@@ -5448,14 +5513,14 @@
               <a:noFill/>
             </a:ln>
             <a:extLst>
-              <a:ext uri="{909E8E84-426E-40DD-AFC4-6F175D3DCCD1}">
+              <a:ext uri="{909E8E84-426E-40dd-AFC4-6F175D3DCCD1}">
                 <a14:hiddenFill xmlns:a14="http://schemas.microsoft.com/office/drawing/2010/main">
                   <a:solidFill>
                     <a:srgbClr val="FFFFFF"/>
                   </a:solidFill>
                 </a14:hiddenFill>
               </a:ext>
-              <a:ext uri="{91240B29-F687-4F45-9708-019B960494DF}">
+              <a:ext uri="{91240B29-F687-4f45-9708-019B960494DF}">
                 <a14:hiddenLine xmlns:a14="http://schemas.microsoft.com/office/drawing/2010/main" w="9525">
                   <a:solidFill>
                     <a:srgbClr val="000000"/>
@@ -5542,14 +5607,14 @@
               <a:noFill/>
             </a:ln>
             <a:extLst>
-              <a:ext uri="{909E8E84-426E-40DD-AFC4-6F175D3DCCD1}">
+              <a:ext uri="{909E8E84-426E-40dd-AFC4-6F175D3DCCD1}">
                 <a14:hiddenFill xmlns:a14="http://schemas.microsoft.com/office/drawing/2010/main">
                   <a:solidFill>
                     <a:srgbClr val="FFFFFF"/>
                   </a:solidFill>
                 </a14:hiddenFill>
               </a:ext>
-              <a:ext uri="{91240B29-F687-4F45-9708-019B960494DF}">
+              <a:ext uri="{91240B29-F687-4f45-9708-019B960494DF}">
                 <a14:hiddenLine xmlns:a14="http://schemas.microsoft.com/office/drawing/2010/main" w="9525">
                   <a:solidFill>
                     <a:srgbClr val="000000"/>
@@ -5590,14 +5655,14 @@
               <a:noFill/>
             </a:ln>
             <a:extLst>
-              <a:ext uri="{909E8E84-426E-40DD-AFC4-6F175D3DCCD1}">
+              <a:ext uri="{909E8E84-426E-40dd-AFC4-6F175D3DCCD1}">
                 <a14:hiddenFill xmlns:a14="http://schemas.microsoft.com/office/drawing/2010/main">
                   <a:solidFill>
                     <a:srgbClr val="FFFFFF"/>
                   </a:solidFill>
                 </a14:hiddenFill>
               </a:ext>
-              <a:ext uri="{91240B29-F687-4F45-9708-019B960494DF}">
+              <a:ext uri="{91240B29-F687-4f45-9708-019B960494DF}">
                 <a14:hiddenLine xmlns:a14="http://schemas.microsoft.com/office/drawing/2010/main" w="9525">
                   <a:solidFill>
                     <a:srgbClr val="000000"/>
@@ -5648,14 +5713,14 @@
               <a:noFill/>
             </a:ln>
             <a:extLst>
-              <a:ext uri="{909E8E84-426E-40DD-AFC4-6F175D3DCCD1}">
+              <a:ext uri="{909E8E84-426E-40dd-AFC4-6F175D3DCCD1}">
                 <a14:hiddenFill xmlns:a14="http://schemas.microsoft.com/office/drawing/2010/main">
                   <a:solidFill>
                     <a:srgbClr val="FFFFFF"/>
                   </a:solidFill>
                 </a14:hiddenFill>
               </a:ext>
-              <a:ext uri="{91240B29-F687-4F45-9708-019B960494DF}">
+              <a:ext uri="{91240B29-F687-4f45-9708-019B960494DF}">
                 <a14:hiddenLine xmlns:a14="http://schemas.microsoft.com/office/drawing/2010/main" w="9525">
                   <a:solidFill>
                     <a:srgbClr val="000000"/>
@@ -6167,7 +6232,7 @@
                 <a:noFill/>
               </a:ln>
               <a:extLst>
-                <a:ext uri="{91240B29-F687-4F45-9708-019B960494DF}">
+                <a:ext uri="{91240B29-F687-4f45-9708-019B960494DF}">
                   <a14:hiddenLine xmlns:a14="http://schemas.microsoft.com/office/drawing/2010/main" w="9525">
                     <a:solidFill>
                       <a:srgbClr val="000000"/>
@@ -7016,7 +7081,7 @@
                 <a:tailEnd/>
               </a:ln>
               <a:extLst>
-                <a:ext uri="{909E8E84-426E-40DD-AFC4-6F175D3DCCD1}">
+                <a:ext uri="{909E8E84-426E-40dd-AFC4-6F175D3DCCD1}">
                   <a14:hiddenFill xmlns:a14="http://schemas.microsoft.com/office/drawing/2010/main">
                     <a:solidFill>
                       <a:srgbClr val="FFFFFF"/>
@@ -7055,14 +7120,14 @@
               <a:noFill/>
             </a:ln>
             <a:extLst>
-              <a:ext uri="{909E8E84-426E-40DD-AFC4-6F175D3DCCD1}">
+              <a:ext uri="{909E8E84-426E-40dd-AFC4-6F175D3DCCD1}">
                 <a14:hiddenFill xmlns:a14="http://schemas.microsoft.com/office/drawing/2010/main">
                   <a:solidFill>
                     <a:srgbClr val="FFFFFF"/>
                   </a:solidFill>
                 </a14:hiddenFill>
               </a:ext>
-              <a:ext uri="{91240B29-F687-4F45-9708-019B960494DF}">
+              <a:ext uri="{91240B29-F687-4f45-9708-019B960494DF}">
                 <a14:hiddenLine xmlns:a14="http://schemas.microsoft.com/office/drawing/2010/main" w="9525">
                   <a:solidFill>
                     <a:srgbClr val="000000"/>
@@ -7103,14 +7168,14 @@
               <a:noFill/>
             </a:ln>
             <a:extLst>
-              <a:ext uri="{909E8E84-426E-40DD-AFC4-6F175D3DCCD1}">
+              <a:ext uri="{909E8E84-426E-40dd-AFC4-6F175D3DCCD1}">
                 <a14:hiddenFill xmlns:a14="http://schemas.microsoft.com/office/drawing/2010/main">
                   <a:solidFill>
                     <a:srgbClr val="FFFFFF"/>
                   </a:solidFill>
                 </a14:hiddenFill>
               </a:ext>
-              <a:ext uri="{91240B29-F687-4F45-9708-019B960494DF}">
+              <a:ext uri="{91240B29-F687-4f45-9708-019B960494DF}">
                 <a14:hiddenLine xmlns:a14="http://schemas.microsoft.com/office/drawing/2010/main" w="9525">
                   <a:solidFill>
                     <a:srgbClr val="000000"/>
@@ -7161,14 +7226,14 @@
               <a:noFill/>
             </a:ln>
             <a:extLst>
-              <a:ext uri="{909E8E84-426E-40DD-AFC4-6F175D3DCCD1}">
+              <a:ext uri="{909E8E84-426E-40dd-AFC4-6F175D3DCCD1}">
                 <a14:hiddenFill xmlns:a14="http://schemas.microsoft.com/office/drawing/2010/main">
                   <a:solidFill>
                     <a:srgbClr val="FFFFFF"/>
                   </a:solidFill>
                 </a14:hiddenFill>
               </a:ext>
-              <a:ext uri="{91240B29-F687-4F45-9708-019B960494DF}">
+              <a:ext uri="{91240B29-F687-4f45-9708-019B960494DF}">
                 <a14:hiddenLine xmlns:a14="http://schemas.microsoft.com/office/drawing/2010/main" w="9525">
                   <a:solidFill>
                     <a:srgbClr val="000000"/>
@@ -7255,14 +7320,14 @@
               <a:noFill/>
             </a:ln>
             <a:extLst>
-              <a:ext uri="{909E8E84-426E-40DD-AFC4-6F175D3DCCD1}">
+              <a:ext uri="{909E8E84-426E-40dd-AFC4-6F175D3DCCD1}">
                 <a14:hiddenFill xmlns:a14="http://schemas.microsoft.com/office/drawing/2010/main">
                   <a:solidFill>
                     <a:srgbClr val="FFFFFF"/>
                   </a:solidFill>
                 </a14:hiddenFill>
               </a:ext>
-              <a:ext uri="{91240B29-F687-4F45-9708-019B960494DF}">
+              <a:ext uri="{91240B29-F687-4f45-9708-019B960494DF}">
                 <a14:hiddenLine xmlns:a14="http://schemas.microsoft.com/office/drawing/2010/main" w="9525">
                   <a:solidFill>
                     <a:srgbClr val="000000"/>
@@ -7303,14 +7368,14 @@
               <a:noFill/>
             </a:ln>
             <a:extLst>
-              <a:ext uri="{909E8E84-426E-40DD-AFC4-6F175D3DCCD1}">
+              <a:ext uri="{909E8E84-426E-40dd-AFC4-6F175D3DCCD1}">
                 <a14:hiddenFill xmlns:a14="http://schemas.microsoft.com/office/drawing/2010/main">
                   <a:solidFill>
                     <a:srgbClr val="FFFFFF"/>
                   </a:solidFill>
                 </a14:hiddenFill>
               </a:ext>
-              <a:ext uri="{91240B29-F687-4F45-9708-019B960494DF}">
+              <a:ext uri="{91240B29-F687-4f45-9708-019B960494DF}">
                 <a14:hiddenLine xmlns:a14="http://schemas.microsoft.com/office/drawing/2010/main" w="9525">
                   <a:solidFill>
                     <a:srgbClr val="000000"/>
@@ -7361,14 +7426,14 @@
               <a:noFill/>
             </a:ln>
             <a:extLst>
-              <a:ext uri="{909E8E84-426E-40DD-AFC4-6F175D3DCCD1}">
+              <a:ext uri="{909E8E84-426E-40dd-AFC4-6F175D3DCCD1}">
                 <a14:hiddenFill xmlns:a14="http://schemas.microsoft.com/office/drawing/2010/main">
                   <a:solidFill>
                     <a:srgbClr val="FFFFFF"/>
                   </a:solidFill>
                 </a14:hiddenFill>
               </a:ext>
-              <a:ext uri="{91240B29-F687-4F45-9708-019B960494DF}">
+              <a:ext uri="{91240B29-F687-4f45-9708-019B960494DF}">
                 <a14:hiddenLine xmlns:a14="http://schemas.microsoft.com/office/drawing/2010/main" w="9525">
                   <a:solidFill>
                     <a:srgbClr val="000000"/>
@@ -7419,14 +7484,14 @@
               <a:noFill/>
             </a:ln>
             <a:extLst>
-              <a:ext uri="{909E8E84-426E-40DD-AFC4-6F175D3DCCD1}">
+              <a:ext uri="{909E8E84-426E-40dd-AFC4-6F175D3DCCD1}">
                 <a14:hiddenFill xmlns:a14="http://schemas.microsoft.com/office/drawing/2010/main">
                   <a:solidFill>
                     <a:srgbClr val="FFFFFF"/>
                   </a:solidFill>
                 </a14:hiddenFill>
               </a:ext>
-              <a:ext uri="{91240B29-F687-4F45-9708-019B960494DF}">
+              <a:ext uri="{91240B29-F687-4f45-9708-019B960494DF}">
                 <a14:hiddenLine xmlns:a14="http://schemas.microsoft.com/office/drawing/2010/main" w="9525">
                   <a:solidFill>
                     <a:srgbClr val="000000"/>
@@ -7477,14 +7542,14 @@
               <a:noFill/>
             </a:ln>
             <a:extLst>
-              <a:ext uri="{909E8E84-426E-40DD-AFC4-6F175D3DCCD1}">
+              <a:ext uri="{909E8E84-426E-40dd-AFC4-6F175D3DCCD1}">
                 <a14:hiddenFill xmlns:a14="http://schemas.microsoft.com/office/drawing/2010/main">
                   <a:solidFill>
                     <a:srgbClr val="FFFFFF"/>
                   </a:solidFill>
                 </a14:hiddenFill>
               </a:ext>
-              <a:ext uri="{91240B29-F687-4F45-9708-019B960494DF}">
+              <a:ext uri="{91240B29-F687-4f45-9708-019B960494DF}">
                 <a14:hiddenLine xmlns:a14="http://schemas.microsoft.com/office/drawing/2010/main" w="9525">
                   <a:solidFill>
                     <a:srgbClr val="000000"/>
@@ -7535,14 +7600,14 @@
               <a:noFill/>
             </a:ln>
             <a:extLst>
-              <a:ext uri="{909E8E84-426E-40DD-AFC4-6F175D3DCCD1}">
+              <a:ext uri="{909E8E84-426E-40dd-AFC4-6F175D3DCCD1}">
                 <a14:hiddenFill xmlns:a14="http://schemas.microsoft.com/office/drawing/2010/main">
                   <a:solidFill>
                     <a:srgbClr val="FFFFFF"/>
                   </a:solidFill>
                 </a14:hiddenFill>
               </a:ext>
-              <a:ext uri="{91240B29-F687-4F45-9708-019B960494DF}">
+              <a:ext uri="{91240B29-F687-4f45-9708-019B960494DF}">
                 <a14:hiddenLine xmlns:a14="http://schemas.microsoft.com/office/drawing/2010/main" w="9525">
                   <a:solidFill>
                     <a:srgbClr val="000000"/>
@@ -7593,14 +7658,14 @@
               <a:noFill/>
             </a:ln>
             <a:extLst>
-              <a:ext uri="{909E8E84-426E-40DD-AFC4-6F175D3DCCD1}">
+              <a:ext uri="{909E8E84-426E-40dd-AFC4-6F175D3DCCD1}">
                 <a14:hiddenFill xmlns:a14="http://schemas.microsoft.com/office/drawing/2010/main">
                   <a:solidFill>
                     <a:srgbClr val="FFFFFF"/>
                   </a:solidFill>
                 </a14:hiddenFill>
               </a:ext>
-              <a:ext uri="{91240B29-F687-4F45-9708-019B960494DF}">
+              <a:ext uri="{91240B29-F687-4f45-9708-019B960494DF}">
                 <a14:hiddenLine xmlns:a14="http://schemas.microsoft.com/office/drawing/2010/main" w="9525">
                   <a:solidFill>
                     <a:srgbClr val="000000"/>
@@ -7651,14 +7716,14 @@
               <a:noFill/>
             </a:ln>
             <a:extLst>
-              <a:ext uri="{909E8E84-426E-40DD-AFC4-6F175D3DCCD1}">
+              <a:ext uri="{909E8E84-426E-40dd-AFC4-6F175D3DCCD1}">
                 <a14:hiddenFill xmlns:a14="http://schemas.microsoft.com/office/drawing/2010/main">
                   <a:solidFill>
                     <a:srgbClr val="FFFFFF"/>
                   </a:solidFill>
                 </a14:hiddenFill>
               </a:ext>
-              <a:ext uri="{91240B29-F687-4F45-9708-019B960494DF}">
+              <a:ext uri="{91240B29-F687-4f45-9708-019B960494DF}">
                 <a14:hiddenLine xmlns:a14="http://schemas.microsoft.com/office/drawing/2010/main" w="9525">
                   <a:solidFill>
                     <a:srgbClr val="000000"/>
@@ -8013,14 +8078,14 @@
               <a:noFill/>
             </a:ln>
             <a:extLst>
-              <a:ext uri="{909E8E84-426E-40DD-AFC4-6F175D3DCCD1}">
+              <a:ext uri="{909E8E84-426E-40dd-AFC4-6F175D3DCCD1}">
                 <a14:hiddenFill xmlns:a14="http://schemas.microsoft.com/office/drawing/2010/main">
                   <a:solidFill>
                     <a:srgbClr val="FFFFFF"/>
                   </a:solidFill>
                 </a14:hiddenFill>
               </a:ext>
-              <a:ext uri="{91240B29-F687-4F45-9708-019B960494DF}">
+              <a:ext uri="{91240B29-F687-4f45-9708-019B960494DF}">
                 <a14:hiddenLine xmlns:a14="http://schemas.microsoft.com/office/drawing/2010/main" w="9525">
                   <a:solidFill>
                     <a:srgbClr val="000000"/>
@@ -8061,14 +8126,14 @@
               <a:noFill/>
             </a:ln>
             <a:extLst>
-              <a:ext uri="{909E8E84-426E-40DD-AFC4-6F175D3DCCD1}">
+              <a:ext uri="{909E8E84-426E-40dd-AFC4-6F175D3DCCD1}">
                 <a14:hiddenFill xmlns:a14="http://schemas.microsoft.com/office/drawing/2010/main">
                   <a:solidFill>
                     <a:srgbClr val="FFFFFF"/>
                   </a:solidFill>
                 </a14:hiddenFill>
               </a:ext>
-              <a:ext uri="{91240B29-F687-4F45-9708-019B960494DF}">
+              <a:ext uri="{91240B29-F687-4f45-9708-019B960494DF}">
                 <a14:hiddenLine xmlns:a14="http://schemas.microsoft.com/office/drawing/2010/main" w="9525">
                   <a:solidFill>
                     <a:srgbClr val="000000"/>
@@ -8119,14 +8184,14 @@
               <a:noFill/>
             </a:ln>
             <a:extLst>
-              <a:ext uri="{909E8E84-426E-40DD-AFC4-6F175D3DCCD1}">
+              <a:ext uri="{909E8E84-426E-40dd-AFC4-6F175D3DCCD1}">
                 <a14:hiddenFill xmlns:a14="http://schemas.microsoft.com/office/drawing/2010/main">
                   <a:solidFill>
                     <a:srgbClr val="FFFFFF"/>
                   </a:solidFill>
                 </a14:hiddenFill>
               </a:ext>
-              <a:ext uri="{91240B29-F687-4F45-9708-019B960494DF}">
+              <a:ext uri="{91240B29-F687-4f45-9708-019B960494DF}">
                 <a14:hiddenLine xmlns:a14="http://schemas.microsoft.com/office/drawing/2010/main" w="9525">
                   <a:solidFill>
                     <a:srgbClr val="000000"/>
@@ -8213,14 +8278,14 @@
               <a:noFill/>
             </a:ln>
             <a:extLst>
-              <a:ext uri="{909E8E84-426E-40DD-AFC4-6F175D3DCCD1}">
+              <a:ext uri="{909E8E84-426E-40dd-AFC4-6F175D3DCCD1}">
                 <a14:hiddenFill xmlns:a14="http://schemas.microsoft.com/office/drawing/2010/main">
                   <a:solidFill>
                     <a:srgbClr val="FFFFFF"/>
                   </a:solidFill>
                 </a14:hiddenFill>
               </a:ext>
-              <a:ext uri="{91240B29-F687-4F45-9708-019B960494DF}">
+              <a:ext uri="{91240B29-F687-4f45-9708-019B960494DF}">
                 <a14:hiddenLine xmlns:a14="http://schemas.microsoft.com/office/drawing/2010/main" w="9525">
                   <a:solidFill>
                     <a:srgbClr val="000000"/>
@@ -8261,14 +8326,14 @@
               <a:noFill/>
             </a:ln>
             <a:extLst>
-              <a:ext uri="{909E8E84-426E-40DD-AFC4-6F175D3DCCD1}">
+              <a:ext uri="{909E8E84-426E-40dd-AFC4-6F175D3DCCD1}">
                 <a14:hiddenFill xmlns:a14="http://schemas.microsoft.com/office/drawing/2010/main">
                   <a:solidFill>
                     <a:srgbClr val="FFFFFF"/>
                   </a:solidFill>
                 </a14:hiddenFill>
               </a:ext>
-              <a:ext uri="{91240B29-F687-4F45-9708-019B960494DF}">
+              <a:ext uri="{91240B29-F687-4f45-9708-019B960494DF}">
                 <a14:hiddenLine xmlns:a14="http://schemas.microsoft.com/office/drawing/2010/main" w="9525">
                   <a:solidFill>
                     <a:srgbClr val="000000"/>
@@ -8709,6 +8774,13 @@
   <p:clrMapOvr>
     <a:masterClrMapping/>
   </p:clrMapOvr>
+  <p:timing>
+    <p:tnLst>
+      <p:par>
+        <p:cTn xmlns:p14="http://schemas.microsoft.com/office/powerpoint/2010/main" id="1" dur="indefinite" restart="never" nodeType="tmRoot"/>
+      </p:par>
+    </p:tnLst>
+  </p:timing>
 </p:sld>
 </file>
 
@@ -8820,6 +8892,13 @@
   <p:clrMapOvr>
     <a:masterClrMapping/>
   </p:clrMapOvr>
+  <p:timing>
+    <p:tnLst>
+      <p:par>
+        <p:cTn xmlns:p14="http://schemas.microsoft.com/office/powerpoint/2010/main" id="1" dur="indefinite" restart="never" nodeType="tmRoot"/>
+      </p:par>
+    </p:tnLst>
+  </p:timing>
 </p:sld>
 </file>
 
@@ -9243,6 +9322,13 @@
   <p:clrMapOvr>
     <a:masterClrMapping/>
   </p:clrMapOvr>
+  <p:timing>
+    <p:tnLst>
+      <p:par>
+        <p:cTn xmlns:p14="http://schemas.microsoft.com/office/powerpoint/2010/main" id="1" dur="indefinite" restart="never" nodeType="tmRoot"/>
+      </p:par>
+    </p:tnLst>
+  </p:timing>
 </p:sld>
 </file>
 
@@ -9912,6 +9998,13 @@
   <p:clrMapOvr>
     <a:masterClrMapping/>
   </p:clrMapOvr>
+  <p:timing>
+    <p:tnLst>
+      <p:par>
+        <p:cTn xmlns:p14="http://schemas.microsoft.com/office/powerpoint/2010/main" id="1" dur="indefinite" restart="never" nodeType="tmRoot"/>
+      </p:par>
+    </p:tnLst>
+  </p:timing>
 </p:sld>
 </file>
 
@@ -10070,6 +10163,13 @@
   <p:clrMapOvr>
     <a:masterClrMapping/>
   </p:clrMapOvr>
+  <p:timing>
+    <p:tnLst>
+      <p:par>
+        <p:cTn xmlns:p14="http://schemas.microsoft.com/office/powerpoint/2010/main" id="1" dur="indefinite" restart="never" nodeType="tmRoot"/>
+      </p:par>
+    </p:tnLst>
+  </p:timing>
 </p:sld>
 </file>
 
@@ -10186,6 +10286,13 @@
   <p:clrMapOvr>
     <a:masterClrMapping/>
   </p:clrMapOvr>
+  <p:timing>
+    <p:tnLst>
+      <p:par>
+        <p:cTn xmlns:p14="http://schemas.microsoft.com/office/powerpoint/2010/main" id="1" dur="indefinite" restart="never" nodeType="tmRoot"/>
+      </p:par>
+    </p:tnLst>
+  </p:timing>
 </p:sld>
 </file>
 
@@ -10378,6 +10485,13 @@
   <p:clrMapOvr>
     <a:masterClrMapping/>
   </p:clrMapOvr>
+  <p:timing>
+    <p:tnLst>
+      <p:par>
+        <p:cTn xmlns:p14="http://schemas.microsoft.com/office/powerpoint/2010/main" id="1" dur="indefinite" restart="never" nodeType="tmRoot"/>
+      </p:par>
+    </p:tnLst>
+  </p:timing>
 </p:sld>
 </file>
 
@@ -10554,6 +10668,13 @@
   <p:clrMapOvr>
     <a:masterClrMapping/>
   </p:clrMapOvr>
+  <p:timing>
+    <p:tnLst>
+      <p:par>
+        <p:cTn xmlns:p14="http://schemas.microsoft.com/office/powerpoint/2010/main" id="1" dur="indefinite" restart="never" nodeType="tmRoot"/>
+      </p:par>
+    </p:tnLst>
+  </p:timing>
 </p:sld>
 </file>
 
@@ -10589,6 +10710,10 @@
           <a:bodyPr/>
           <a:lstStyle/>
           <a:p>
+            <a:r>
+              <a:rPr lang="tr-TR" dirty="0" smtClean="0"/>
+              <a:t>EXAMPLES</a:t>
+            </a:r>
             <a:endParaRPr lang="tr-TR" dirty="0"/>
           </a:p>
         </p:txBody>
@@ -10609,22 +10734,6 @@
           <a:lstStyle/>
           <a:p>
             <a:pPr algn="ctr"/>
-            <a:r>
-              <a:rPr lang="tr-TR" dirty="0" err="1" smtClean="0"/>
-              <a:t>Some</a:t>
-            </a:r>
-            <a:r>
-              <a:rPr lang="tr-TR" dirty="0" smtClean="0"/>
-              <a:t> Excel </a:t>
-            </a:r>
-            <a:r>
-              <a:rPr lang="tr-TR" dirty="0" err="1" smtClean="0"/>
-              <a:t>Examples</a:t>
-            </a:r>
-            <a:r>
-              <a:rPr lang="tr-TR" dirty="0" smtClean="0"/>
-              <a:t>..</a:t>
-            </a:r>
             <a:endParaRPr lang="tr-TR" dirty="0"/>
           </a:p>
         </p:txBody>
@@ -10639,6 +10748,757 @@
   <p:clrMapOvr>
     <a:masterClrMapping/>
   </p:clrMapOvr>
+  <p:timing>
+    <p:tnLst>
+      <p:par>
+        <p:cTn xmlns:p14="http://schemas.microsoft.com/office/powerpoint/2010/main" id="1" dur="indefinite" restart="never" nodeType="tmRoot"/>
+      </p:par>
+    </p:tnLst>
+  </p:timing>
+</p:sld>
+</file>
+
+<file path=ppt/slides/slide25.xml><?xml version="1.0" encoding="utf-8"?>
+<p:sld xmlns:a="http://schemas.openxmlformats.org/drawingml/2006/main" xmlns:r="http://schemas.openxmlformats.org/officeDocument/2006/relationships" xmlns:p="http://schemas.openxmlformats.org/presentationml/2006/main">
+  <p:cSld>
+    <p:spTree>
+      <p:nvGrpSpPr>
+        <p:cNvPr id="1" name=""/>
+        <p:cNvGrpSpPr/>
+        <p:nvPr/>
+      </p:nvGrpSpPr>
+      <p:grpSpPr>
+        <a:xfrm>
+          <a:off x="0" y="0"/>
+          <a:ext cx="0" cy="0"/>
+          <a:chOff x="0" y="0"/>
+          <a:chExt cx="0" cy="0"/>
+        </a:xfrm>
+      </p:grpSpPr>
+      <p:sp>
+        <p:nvSpPr>
+          <p:cNvPr id="2" name="Title 1"/>
+          <p:cNvSpPr>
+            <a:spLocks noGrp="1"/>
+          </p:cNvSpPr>
+          <p:nvPr>
+            <p:ph type="title"/>
+          </p:nvPr>
+        </p:nvSpPr>
+        <p:spPr>
+          <a:xfrm>
+            <a:off x="750434" y="0"/>
+            <a:ext cx="10515600" cy="2851208"/>
+          </a:xfrm>
+        </p:spPr>
+        <p:txBody>
+          <a:bodyPr>
+            <a:normAutofit/>
+          </a:bodyPr>
+          <a:lstStyle/>
+          <a:p>
+            <a:r>
+              <a:rPr lang="en-US" sz="4400" b="1" dirty="0" smtClean="0"/>
+              <a:t>An </a:t>
+            </a:r>
+            <a:r>
+              <a:rPr lang="en-US" sz="4400" b="1" dirty="0"/>
+              <a:t>Automated and Intelligent Medical Decision Support System for Brain MRI Scans Classification </a:t>
+            </a:r>
+            <a:endParaRPr lang="en-US" sz="4400" dirty="0"/>
+          </a:p>
+        </p:txBody>
+      </p:sp>
+      <p:sp>
+        <p:nvSpPr>
+          <p:cNvPr id="3" name="Text Placeholder 2"/>
+          <p:cNvSpPr>
+            <a:spLocks noGrp="1"/>
+          </p:cNvSpPr>
+          <p:nvPr>
+            <p:ph type="body" idx="1"/>
+          </p:nvPr>
+        </p:nvSpPr>
+        <p:spPr>
+          <a:xfrm>
+            <a:off x="799284" y="3022301"/>
+            <a:ext cx="10515600" cy="3701388"/>
+          </a:xfrm>
+        </p:spPr>
+        <p:txBody>
+          <a:bodyPr/>
+          <a:lstStyle/>
+          <a:p>
+            <a:r>
+              <a:rPr lang="en-US" dirty="0" smtClean="0"/>
+              <a:t>To classify MRI </a:t>
+            </a:r>
+            <a:r>
+              <a:rPr lang="en-US" dirty="0" err="1" smtClean="0"/>
+              <a:t>Imagesets</a:t>
+            </a:r>
+            <a:r>
+              <a:rPr lang="en-US" dirty="0" smtClean="0"/>
+              <a:t> as normal or abnormal</a:t>
+            </a:r>
+          </a:p>
+          <a:p>
+            <a:r>
+              <a:rPr lang="en-US" dirty="0" smtClean="0"/>
+              <a:t>Used ;</a:t>
+            </a:r>
+          </a:p>
+          <a:p>
+            <a:pPr marL="342900" indent="-342900">
+              <a:buFont typeface="Arial"/>
+              <a:buChar char="•"/>
+            </a:pPr>
+            <a:r>
+              <a:rPr lang="en-US" dirty="0" smtClean="0"/>
+              <a:t>fast </a:t>
+            </a:r>
+            <a:r>
+              <a:rPr lang="en-US" dirty="0"/>
+              <a:t>discrete wavelet transform (DWT), </a:t>
+            </a:r>
+            <a:endParaRPr lang="en-US" dirty="0" smtClean="0"/>
+          </a:p>
+          <a:p>
+            <a:pPr marL="342900" indent="-342900">
+              <a:buFont typeface="Arial"/>
+              <a:buChar char="•"/>
+            </a:pPr>
+            <a:r>
+              <a:rPr lang="en-US" dirty="0" smtClean="0"/>
+              <a:t>Principal </a:t>
+            </a:r>
+            <a:r>
+              <a:rPr lang="en-US" dirty="0"/>
+              <a:t>component analysis (PCA)</a:t>
+            </a:r>
+            <a:r>
+              <a:rPr lang="en-US" dirty="0" smtClean="0"/>
+              <a:t>,</a:t>
+            </a:r>
+          </a:p>
+          <a:p>
+            <a:pPr marL="342900" indent="-342900">
+              <a:buFont typeface="Arial"/>
+              <a:buChar char="•"/>
+            </a:pPr>
+            <a:r>
+              <a:rPr lang="en-US" dirty="0" smtClean="0"/>
+              <a:t>Least </a:t>
+            </a:r>
+            <a:r>
+              <a:rPr lang="en-US" dirty="0"/>
+              <a:t>squares support vector machine (LS­SVM). </a:t>
+            </a:r>
+            <a:endParaRPr lang="en-US" dirty="0" smtClean="0"/>
+          </a:p>
+          <a:p>
+            <a:pPr marL="342900" indent="-342900">
+              <a:buFont typeface="Arial"/>
+              <a:buChar char="•"/>
+            </a:pPr>
+            <a:r>
+              <a:rPr lang="en-US" dirty="0" smtClean="0"/>
+              <a:t>To </a:t>
+            </a:r>
+            <a:r>
+              <a:rPr lang="en-US" dirty="0"/>
+              <a:t>classify MRI image set, ‘Harvard Medical School’ </a:t>
+            </a:r>
+            <a:r>
+              <a:rPr lang="en-US" dirty="0" smtClean="0"/>
+              <a:t>and </a:t>
+            </a:r>
+            <a:r>
+              <a:rPr lang="en-US" dirty="0"/>
+              <a:t>‘Open Access Series of Imaging Studies (OASIS)’ </a:t>
+            </a:r>
+            <a:endParaRPr lang="en-US" dirty="0" smtClean="0"/>
+          </a:p>
+          <a:p>
+            <a:pPr marL="342900" indent="-342900">
+              <a:buFont typeface="Arial"/>
+              <a:buChar char="•"/>
+            </a:pPr>
+            <a:r>
+              <a:rPr lang="en-US" dirty="0"/>
+              <a:t>2­D fast DWT which is image processing function to specify brain image </a:t>
+            </a:r>
+            <a:endParaRPr lang="en-US" dirty="0"/>
+          </a:p>
+        </p:txBody>
+      </p:sp>
+    </p:spTree>
+    <p:extLst>
+      <p:ext uri="{BB962C8B-B14F-4D97-AF65-F5344CB8AC3E}">
+        <p14:creationId xmlns:p14="http://schemas.microsoft.com/office/powerpoint/2010/main" val="3275205732"/>
+      </p:ext>
+    </p:extLst>
+  </p:cSld>
+  <p:clrMapOvr>
+    <a:masterClrMapping/>
+  </p:clrMapOvr>
+  <p:timing>
+    <p:tnLst>
+      <p:par>
+        <p:cTn xmlns:p14="http://schemas.microsoft.com/office/powerpoint/2010/main" id="1" dur="indefinite" restart="never" nodeType="tmRoot"/>
+      </p:par>
+    </p:tnLst>
+  </p:timing>
+</p:sld>
+</file>
+
+<file path=ppt/slides/slide26.xml><?xml version="1.0" encoding="utf-8"?>
+<p:sld xmlns:a="http://schemas.openxmlformats.org/drawingml/2006/main" xmlns:r="http://schemas.openxmlformats.org/officeDocument/2006/relationships" xmlns:p="http://schemas.openxmlformats.org/presentationml/2006/main">
+  <p:cSld>
+    <p:spTree>
+      <p:nvGrpSpPr>
+        <p:cNvPr id="1" name=""/>
+        <p:cNvGrpSpPr/>
+        <p:nvPr/>
+      </p:nvGrpSpPr>
+      <p:grpSpPr>
+        <a:xfrm>
+          <a:off x="0" y="0"/>
+          <a:ext cx="0" cy="0"/>
+          <a:chOff x="0" y="0"/>
+          <a:chExt cx="0" cy="0"/>
+        </a:xfrm>
+      </p:grpSpPr>
+      <p:sp>
+        <p:nvSpPr>
+          <p:cNvPr id="2" name="Title 1"/>
+          <p:cNvSpPr>
+            <a:spLocks noGrp="1"/>
+          </p:cNvSpPr>
+          <p:nvPr>
+            <p:ph type="title"/>
+          </p:nvPr>
+        </p:nvSpPr>
+        <p:spPr/>
+        <p:txBody>
+          <a:bodyPr/>
+          <a:lstStyle/>
+          <a:p>
+            <a:endParaRPr lang="en-US" dirty="0"/>
+          </a:p>
+        </p:txBody>
+      </p:sp>
+      <p:sp>
+        <p:nvSpPr>
+          <p:cNvPr id="3" name="Text Placeholder 2"/>
+          <p:cNvSpPr>
+            <a:spLocks noGrp="1"/>
+          </p:cNvSpPr>
+          <p:nvPr>
+            <p:ph type="body" idx="1"/>
+          </p:nvPr>
+        </p:nvSpPr>
+        <p:spPr/>
+        <p:txBody>
+          <a:bodyPr/>
+          <a:lstStyle/>
+          <a:p>
+            <a:endParaRPr lang="en-US"/>
+          </a:p>
+        </p:txBody>
+      </p:sp>
+      <p:pic>
+        <p:nvPicPr>
+          <p:cNvPr id="5" name="Picture 4" descr="Screen Shot 2015-12-17 at 10.56.53.png"/>
+          <p:cNvPicPr>
+            <a:picLocks noChangeAspect="1"/>
+          </p:cNvPicPr>
+          <p:nvPr/>
+        </p:nvPicPr>
+        <p:blipFill>
+          <a:blip r:embed="rId2">
+            <a:extLst>
+              <a:ext uri="{28A0092B-C50C-407E-A947-70E740481C1C}">
+                <a14:useLocalDpi xmlns:a14="http://schemas.microsoft.com/office/drawing/2010/main" val="0"/>
+              </a:ext>
+            </a:extLst>
+          </a:blip>
+          <a:stretch>
+            <a:fillRect/>
+          </a:stretch>
+        </p:blipFill>
+        <p:spPr>
+          <a:xfrm>
+            <a:off x="0" y="0"/>
+            <a:ext cx="12191999" cy="6858000"/>
+          </a:xfrm>
+          <a:prstGeom prst="rect">
+            <a:avLst/>
+          </a:prstGeom>
+        </p:spPr>
+      </p:pic>
+    </p:spTree>
+    <p:extLst>
+      <p:ext uri="{BB962C8B-B14F-4D97-AF65-F5344CB8AC3E}">
+        <p14:creationId xmlns:p14="http://schemas.microsoft.com/office/powerpoint/2010/main" val="282625916"/>
+      </p:ext>
+    </p:extLst>
+  </p:cSld>
+  <p:clrMapOvr>
+    <a:masterClrMapping/>
+  </p:clrMapOvr>
+  <p:timing>
+    <p:tnLst>
+      <p:par>
+        <p:cTn xmlns:p14="http://schemas.microsoft.com/office/powerpoint/2010/main" id="1" dur="indefinite" restart="never" nodeType="tmRoot"/>
+      </p:par>
+    </p:tnLst>
+  </p:timing>
+</p:sld>
+</file>
+
+<file path=ppt/slides/slide27.xml><?xml version="1.0" encoding="utf-8"?>
+<p:sld xmlns:a="http://schemas.openxmlformats.org/drawingml/2006/main" xmlns:r="http://schemas.openxmlformats.org/officeDocument/2006/relationships" xmlns:p="http://schemas.openxmlformats.org/presentationml/2006/main">
+  <p:cSld>
+    <p:spTree>
+      <p:nvGrpSpPr>
+        <p:cNvPr id="1" name=""/>
+        <p:cNvGrpSpPr/>
+        <p:nvPr/>
+      </p:nvGrpSpPr>
+      <p:grpSpPr>
+        <a:xfrm>
+          <a:off x="0" y="0"/>
+          <a:ext cx="0" cy="0"/>
+          <a:chOff x="0" y="0"/>
+          <a:chExt cx="0" cy="0"/>
+        </a:xfrm>
+      </p:grpSpPr>
+      <p:sp>
+        <p:nvSpPr>
+          <p:cNvPr id="2" name="Title 1"/>
+          <p:cNvSpPr>
+            <a:spLocks noGrp="1"/>
+          </p:cNvSpPr>
+          <p:nvPr>
+            <p:ph type="title"/>
+          </p:nvPr>
+        </p:nvSpPr>
+        <p:spPr/>
+        <p:txBody>
+          <a:bodyPr/>
+          <a:lstStyle/>
+          <a:p>
+            <a:endParaRPr lang="en-US"/>
+          </a:p>
+        </p:txBody>
+      </p:sp>
+      <p:sp>
+        <p:nvSpPr>
+          <p:cNvPr id="3" name="Text Placeholder 2"/>
+          <p:cNvSpPr>
+            <a:spLocks noGrp="1"/>
+          </p:cNvSpPr>
+          <p:nvPr>
+            <p:ph type="body" idx="1"/>
+          </p:nvPr>
+        </p:nvSpPr>
+        <p:spPr/>
+        <p:txBody>
+          <a:bodyPr/>
+          <a:lstStyle/>
+          <a:p>
+            <a:endParaRPr lang="en-US"/>
+          </a:p>
+        </p:txBody>
+      </p:sp>
+      <p:pic>
+        <p:nvPicPr>
+          <p:cNvPr id="4" name="Picture 3" descr="Screen Shot 2015-12-17 at 10.58.06.png"/>
+          <p:cNvPicPr>
+            <a:picLocks noChangeAspect="1"/>
+          </p:cNvPicPr>
+          <p:nvPr/>
+        </p:nvPicPr>
+        <p:blipFill>
+          <a:blip r:embed="rId2">
+            <a:extLst>
+              <a:ext uri="{28A0092B-C50C-407E-A947-70E740481C1C}">
+                <a14:useLocalDpi xmlns:a14="http://schemas.microsoft.com/office/drawing/2010/main" val="0"/>
+              </a:ext>
+            </a:extLst>
+          </a:blip>
+          <a:stretch>
+            <a:fillRect/>
+          </a:stretch>
+        </p:blipFill>
+        <p:spPr>
+          <a:xfrm>
+            <a:off x="-1" y="-1"/>
+            <a:ext cx="12192001" cy="6895283"/>
+          </a:xfrm>
+          <a:prstGeom prst="rect">
+            <a:avLst/>
+          </a:prstGeom>
+        </p:spPr>
+      </p:pic>
+    </p:spTree>
+    <p:extLst>
+      <p:ext uri="{BB962C8B-B14F-4D97-AF65-F5344CB8AC3E}">
+        <p14:creationId xmlns:p14="http://schemas.microsoft.com/office/powerpoint/2010/main" val="2321614237"/>
+      </p:ext>
+    </p:extLst>
+  </p:cSld>
+  <p:clrMapOvr>
+    <a:masterClrMapping/>
+  </p:clrMapOvr>
+  <p:timing>
+    <p:tnLst>
+      <p:par>
+        <p:cTn xmlns:p14="http://schemas.microsoft.com/office/powerpoint/2010/main" id="1" dur="indefinite" restart="never" nodeType="tmRoot"/>
+      </p:par>
+    </p:tnLst>
+  </p:timing>
+</p:sld>
+</file>
+
+<file path=ppt/slides/slide28.xml><?xml version="1.0" encoding="utf-8"?>
+<p:sld xmlns:a="http://schemas.openxmlformats.org/drawingml/2006/main" xmlns:r="http://schemas.openxmlformats.org/officeDocument/2006/relationships" xmlns:p="http://schemas.openxmlformats.org/presentationml/2006/main">
+  <p:cSld>
+    <p:spTree>
+      <p:nvGrpSpPr>
+        <p:cNvPr id="1" name=""/>
+        <p:cNvGrpSpPr/>
+        <p:nvPr/>
+      </p:nvGrpSpPr>
+      <p:grpSpPr>
+        <a:xfrm>
+          <a:off x="0" y="0"/>
+          <a:ext cx="0" cy="0"/>
+          <a:chOff x="0" y="0"/>
+          <a:chExt cx="0" cy="0"/>
+        </a:xfrm>
+      </p:grpSpPr>
+      <p:sp>
+        <p:nvSpPr>
+          <p:cNvPr id="2" name="Title 1"/>
+          <p:cNvSpPr>
+            <a:spLocks noGrp="1"/>
+          </p:cNvSpPr>
+          <p:nvPr>
+            <p:ph type="title"/>
+          </p:nvPr>
+        </p:nvSpPr>
+        <p:spPr/>
+        <p:txBody>
+          <a:bodyPr/>
+          <a:lstStyle/>
+          <a:p>
+            <a:endParaRPr lang="en-US"/>
+          </a:p>
+        </p:txBody>
+      </p:sp>
+      <p:sp>
+        <p:nvSpPr>
+          <p:cNvPr id="3" name="Text Placeholder 2"/>
+          <p:cNvSpPr>
+            <a:spLocks noGrp="1"/>
+          </p:cNvSpPr>
+          <p:nvPr>
+            <p:ph type="body" idx="1"/>
+          </p:nvPr>
+        </p:nvSpPr>
+        <p:spPr/>
+        <p:txBody>
+          <a:bodyPr/>
+          <a:lstStyle/>
+          <a:p>
+            <a:endParaRPr lang="en-US"/>
+          </a:p>
+        </p:txBody>
+      </p:sp>
+      <p:pic>
+        <p:nvPicPr>
+          <p:cNvPr id="4" name="Picture 3" descr="Screen Shot 2015-12-17 at 10.59.57.png"/>
+          <p:cNvPicPr>
+            <a:picLocks noChangeAspect="1"/>
+          </p:cNvPicPr>
+          <p:nvPr/>
+        </p:nvPicPr>
+        <p:blipFill>
+          <a:blip r:embed="rId2">
+            <a:extLst>
+              <a:ext uri="{28A0092B-C50C-407E-A947-70E740481C1C}">
+                <a14:useLocalDpi xmlns:a14="http://schemas.microsoft.com/office/drawing/2010/main" val="0"/>
+              </a:ext>
+            </a:extLst>
+          </a:blip>
+          <a:stretch>
+            <a:fillRect/>
+          </a:stretch>
+        </p:blipFill>
+        <p:spPr>
+          <a:xfrm>
+            <a:off x="-1" y="846566"/>
+            <a:ext cx="12192001" cy="6011434"/>
+          </a:xfrm>
+          <a:prstGeom prst="rect">
+            <a:avLst/>
+          </a:prstGeom>
+        </p:spPr>
+      </p:pic>
+      <p:sp>
+        <p:nvSpPr>
+          <p:cNvPr id="5" name="TextBox 4"/>
+          <p:cNvSpPr txBox="1"/>
+          <p:nvPr/>
+        </p:nvSpPr>
+        <p:spPr>
+          <a:xfrm>
+            <a:off x="3973086" y="244201"/>
+            <a:ext cx="4252073" cy="369332"/>
+          </a:xfrm>
+          <a:prstGeom prst="rect">
+            <a:avLst/>
+          </a:prstGeom>
+          <a:noFill/>
+        </p:spPr>
+        <p:txBody>
+          <a:bodyPr wrap="none" rtlCol="0">
+            <a:spAutoFit/>
+          </a:bodyPr>
+          <a:lstStyle/>
+          <a:p>
+            <a:r>
+              <a:rPr lang="en-US" dirty="0"/>
+              <a:t>T</a:t>
+            </a:r>
+            <a:r>
+              <a:rPr lang="en-US" dirty="0" smtClean="0"/>
+              <a:t>he </a:t>
+            </a:r>
+            <a:r>
+              <a:rPr lang="en-US" dirty="0"/>
+              <a:t>mathematical function of 2­D fast DWT </a:t>
+            </a:r>
+            <a:endParaRPr lang="en-US" dirty="0">
+              <a:effectLst/>
+            </a:endParaRPr>
+          </a:p>
+        </p:txBody>
+      </p:sp>
+    </p:spTree>
+    <p:extLst>
+      <p:ext uri="{BB962C8B-B14F-4D97-AF65-F5344CB8AC3E}">
+        <p14:creationId xmlns:p14="http://schemas.microsoft.com/office/powerpoint/2010/main" val="1785388192"/>
+      </p:ext>
+    </p:extLst>
+  </p:cSld>
+  <p:clrMapOvr>
+    <a:masterClrMapping/>
+  </p:clrMapOvr>
+  <p:timing>
+    <p:tnLst>
+      <p:par>
+        <p:cTn xmlns:p14="http://schemas.microsoft.com/office/powerpoint/2010/main" id="1" dur="indefinite" restart="never" nodeType="tmRoot"/>
+      </p:par>
+    </p:tnLst>
+  </p:timing>
+</p:sld>
+</file>
+
+<file path=ppt/slides/slide29.xml><?xml version="1.0" encoding="utf-8"?>
+<p:sld xmlns:a="http://schemas.openxmlformats.org/drawingml/2006/main" xmlns:r="http://schemas.openxmlformats.org/officeDocument/2006/relationships" xmlns:p="http://schemas.openxmlformats.org/presentationml/2006/main">
+  <p:cSld>
+    <p:spTree>
+      <p:nvGrpSpPr>
+        <p:cNvPr id="1" name=""/>
+        <p:cNvGrpSpPr/>
+        <p:nvPr/>
+      </p:nvGrpSpPr>
+      <p:grpSpPr>
+        <a:xfrm>
+          <a:off x="0" y="0"/>
+          <a:ext cx="0" cy="0"/>
+          <a:chOff x="0" y="0"/>
+          <a:chExt cx="0" cy="0"/>
+        </a:xfrm>
+      </p:grpSpPr>
+      <p:sp>
+        <p:nvSpPr>
+          <p:cNvPr id="2" name="Title 1"/>
+          <p:cNvSpPr>
+            <a:spLocks noGrp="1"/>
+          </p:cNvSpPr>
+          <p:nvPr>
+            <p:ph type="title"/>
+          </p:nvPr>
+        </p:nvSpPr>
+        <p:spPr>
+          <a:xfrm>
+            <a:off x="750434" y="0"/>
+            <a:ext cx="10515600" cy="2851208"/>
+          </a:xfrm>
+        </p:spPr>
+        <p:txBody>
+          <a:bodyPr>
+            <a:normAutofit/>
+          </a:bodyPr>
+          <a:lstStyle/>
+          <a:p>
+            <a:r>
+              <a:rPr lang="en-US" sz="4400" b="1" dirty="0"/>
+              <a:t>A</a:t>
+            </a:r>
+            <a:r>
+              <a:rPr lang="en-US" sz="4400" dirty="0"/>
+              <a:t> </a:t>
+            </a:r>
+            <a:r>
+              <a:rPr lang="en-US" sz="4400" b="1" dirty="0"/>
+              <a:t>decision support system to manage the supply chain of sugar cane </a:t>
+            </a:r>
+            <a:endParaRPr lang="en-US" sz="4400" dirty="0">
+              <a:effectLst/>
+            </a:endParaRPr>
+          </a:p>
+        </p:txBody>
+      </p:sp>
+      <p:sp>
+        <p:nvSpPr>
+          <p:cNvPr id="3" name="Text Placeholder 2"/>
+          <p:cNvSpPr>
+            <a:spLocks noGrp="1"/>
+          </p:cNvSpPr>
+          <p:nvPr>
+            <p:ph type="body" idx="1"/>
+          </p:nvPr>
+        </p:nvSpPr>
+        <p:spPr>
+          <a:xfrm>
+            <a:off x="799284" y="3022301"/>
+            <a:ext cx="10515600" cy="3701388"/>
+          </a:xfrm>
+        </p:spPr>
+        <p:txBody>
+          <a:bodyPr>
+            <a:normAutofit/>
+          </a:bodyPr>
+          <a:lstStyle/>
+          <a:p>
+            <a:r>
+              <a:rPr lang="en-US" dirty="0"/>
+              <a:t>DSS is used for planning daily operations of sugar chain </a:t>
+            </a:r>
+            <a:r>
+              <a:rPr lang="en-US"/>
+              <a:t>supply </a:t>
+            </a:r>
+            <a:r>
+              <a:rPr lang="en-US" smtClean="0"/>
+              <a:t>chain </a:t>
+            </a:r>
+            <a:endParaRPr lang="en-US" dirty="0"/>
+          </a:p>
+          <a:p>
+            <a:pPr marL="342900" indent="-342900">
+              <a:buFont typeface="Arial"/>
+              <a:buChar char="•"/>
+            </a:pPr>
+            <a:r>
+              <a:rPr lang="en-US" dirty="0" smtClean="0"/>
+              <a:t>Main component </a:t>
+            </a:r>
+            <a:r>
+              <a:rPr lang="en-US" dirty="0"/>
+              <a:t>is </a:t>
+            </a:r>
+            <a:r>
+              <a:rPr lang="en-US" dirty="0" smtClean="0"/>
+              <a:t>based on a mixed </a:t>
+            </a:r>
+            <a:r>
+              <a:rPr lang="en-US" dirty="0"/>
+              <a:t>integer linear programming model </a:t>
+            </a:r>
+            <a:endParaRPr lang="en-US" dirty="0"/>
+          </a:p>
+          <a:p>
+            <a:pPr marL="342900" indent="-342900">
+              <a:buFont typeface="Arial"/>
+              <a:buChar char="•"/>
+            </a:pPr>
+            <a:r>
+              <a:rPr lang="en-US" dirty="0" smtClean="0"/>
+              <a:t>Main purpose is </a:t>
+            </a:r>
+            <a:r>
+              <a:rPr lang="en-US" dirty="0"/>
+              <a:t>to minimize transportation cost of supply chain of sugar cane </a:t>
+            </a:r>
+            <a:r>
+              <a:rPr lang="en-US" dirty="0" smtClean="0"/>
+              <a:t>, </a:t>
+            </a:r>
+          </a:p>
+          <a:p>
+            <a:pPr marL="342900" indent="-342900">
+              <a:buFont typeface="Arial"/>
+              <a:buChar char="•"/>
+            </a:pPr>
+            <a:r>
+              <a:rPr lang="en-US" dirty="0"/>
+              <a:t>D</a:t>
+            </a:r>
+            <a:r>
+              <a:rPr lang="en-US" dirty="0" smtClean="0"/>
+              <a:t>aily </a:t>
+            </a:r>
+            <a:r>
+              <a:rPr lang="en-US" dirty="0"/>
+              <a:t>sugar cane harvesting and processing, cutting means, road </a:t>
+            </a:r>
+            <a:endParaRPr lang="en-US" dirty="0"/>
+          </a:p>
+          <a:p>
+            <a:r>
+              <a:rPr lang="en-US" dirty="0"/>
+              <a:t>transport means, like fields, and storage facilities are represented as </a:t>
+            </a:r>
+            <a:r>
+              <a:rPr lang="en-US" dirty="0" smtClean="0"/>
+              <a:t>inputs</a:t>
+            </a:r>
+          </a:p>
+          <a:p>
+            <a:pPr marL="342900" indent="-342900">
+              <a:buFont typeface="Arial"/>
+              <a:buChar char="•"/>
+            </a:pPr>
+            <a:r>
+              <a:rPr lang="en-US" dirty="0"/>
+              <a:t>The database stores inputs and outputs and it interacts with mathematical model </a:t>
+            </a:r>
+          </a:p>
+        </p:txBody>
+      </p:sp>
+    </p:spTree>
+    <p:extLst>
+      <p:ext uri="{BB962C8B-B14F-4D97-AF65-F5344CB8AC3E}">
+        <p14:creationId xmlns:p14="http://schemas.microsoft.com/office/powerpoint/2010/main" val="1908083677"/>
+      </p:ext>
+    </p:extLst>
+  </p:cSld>
+  <p:clrMapOvr>
+    <a:masterClrMapping/>
+  </p:clrMapOvr>
+  <p:timing>
+    <p:tnLst>
+      <p:par>
+        <p:cTn xmlns:p14="http://schemas.microsoft.com/office/powerpoint/2010/main" id="1" dur="indefinite" restart="never" nodeType="tmRoot"/>
+      </p:par>
+    </p:tnLst>
+  </p:timing>
 </p:sld>
 </file>
 
@@ -10752,6 +11612,416 @@
     <p:extLst>
       <p:ext uri="{BB962C8B-B14F-4D97-AF65-F5344CB8AC3E}">
         <p14:creationId xmlns:p14="http://schemas.microsoft.com/office/powerpoint/2010/main" val="1066773397"/>
+      </p:ext>
+    </p:extLst>
+  </p:cSld>
+  <p:clrMapOvr>
+    <a:masterClrMapping/>
+  </p:clrMapOvr>
+  <p:timing>
+    <p:tnLst>
+      <p:par>
+        <p:cTn xmlns:p14="http://schemas.microsoft.com/office/powerpoint/2010/main" id="1" dur="indefinite" restart="never" nodeType="tmRoot"/>
+      </p:par>
+    </p:tnLst>
+  </p:timing>
+</p:sld>
+</file>
+
+<file path=ppt/slides/slide30.xml><?xml version="1.0" encoding="utf-8"?>
+<p:sld xmlns:a="http://schemas.openxmlformats.org/drawingml/2006/main" xmlns:r="http://schemas.openxmlformats.org/officeDocument/2006/relationships" xmlns:p="http://schemas.openxmlformats.org/presentationml/2006/main">
+  <p:cSld>
+    <p:spTree>
+      <p:nvGrpSpPr>
+        <p:cNvPr id="1" name=""/>
+        <p:cNvGrpSpPr/>
+        <p:nvPr/>
+      </p:nvGrpSpPr>
+      <p:grpSpPr>
+        <a:xfrm>
+          <a:off x="0" y="0"/>
+          <a:ext cx="0" cy="0"/>
+          <a:chOff x="0" y="0"/>
+          <a:chExt cx="0" cy="0"/>
+        </a:xfrm>
+      </p:grpSpPr>
+      <p:sp>
+        <p:nvSpPr>
+          <p:cNvPr id="4" name="TextBox 3"/>
+          <p:cNvSpPr txBox="1"/>
+          <p:nvPr/>
+        </p:nvSpPr>
+        <p:spPr>
+          <a:xfrm>
+            <a:off x="4803527" y="700045"/>
+            <a:ext cx="2596234" cy="369332"/>
+          </a:xfrm>
+          <a:prstGeom prst="rect">
+            <a:avLst/>
+          </a:prstGeom>
+          <a:noFill/>
+        </p:spPr>
+        <p:txBody>
+          <a:bodyPr wrap="none" rtlCol="0">
+            <a:spAutoFit/>
+          </a:bodyPr>
+          <a:lstStyle/>
+          <a:p>
+            <a:r>
+              <a:rPr lang="en-US" dirty="0" smtClean="0"/>
+              <a:t>Main structure of the DSS</a:t>
+            </a:r>
+            <a:endParaRPr lang="en-US" dirty="0"/>
+          </a:p>
+        </p:txBody>
+      </p:sp>
+      <p:sp>
+        <p:nvSpPr>
+          <p:cNvPr id="5" name="Text Placeholder 4"/>
+          <p:cNvSpPr>
+            <a:spLocks noGrp="1"/>
+          </p:cNvSpPr>
+          <p:nvPr>
+            <p:ph type="body" idx="1"/>
+          </p:nvPr>
+        </p:nvSpPr>
+        <p:spPr/>
+        <p:txBody>
+          <a:bodyPr/>
+          <a:lstStyle/>
+          <a:p>
+            <a:endParaRPr lang="en-US"/>
+          </a:p>
+        </p:txBody>
+      </p:sp>
+      <p:pic>
+        <p:nvPicPr>
+          <p:cNvPr id="6" name="Picture 5" descr="Screen Shot 2015-12-17 at 11.10.46.png"/>
+          <p:cNvPicPr>
+            <a:picLocks noChangeAspect="1"/>
+          </p:cNvPicPr>
+          <p:nvPr/>
+        </p:nvPicPr>
+        <p:blipFill>
+          <a:blip r:embed="rId2">
+            <a:extLst>
+              <a:ext uri="{28A0092B-C50C-407E-A947-70E740481C1C}">
+                <a14:useLocalDpi xmlns:a14="http://schemas.microsoft.com/office/drawing/2010/main" val="0"/>
+              </a:ext>
+            </a:extLst>
+          </a:blip>
+          <a:stretch>
+            <a:fillRect/>
+          </a:stretch>
+        </p:blipFill>
+        <p:spPr>
+          <a:xfrm>
+            <a:off x="2121463" y="1661288"/>
+            <a:ext cx="7708900" cy="4394200"/>
+          </a:xfrm>
+          <a:prstGeom prst="rect">
+            <a:avLst/>
+          </a:prstGeom>
+        </p:spPr>
+      </p:pic>
+    </p:spTree>
+    <p:extLst>
+      <p:ext uri="{BB962C8B-B14F-4D97-AF65-F5344CB8AC3E}">
+        <p14:creationId xmlns:p14="http://schemas.microsoft.com/office/powerpoint/2010/main" val="1823665504"/>
+      </p:ext>
+    </p:extLst>
+  </p:cSld>
+  <p:clrMapOvr>
+    <a:masterClrMapping/>
+  </p:clrMapOvr>
+  <p:timing>
+    <p:tnLst>
+      <p:par>
+        <p:cTn xmlns:p14="http://schemas.microsoft.com/office/powerpoint/2010/main" id="1" dur="indefinite" restart="never" nodeType="tmRoot"/>
+      </p:par>
+    </p:tnLst>
+  </p:timing>
+</p:sld>
+</file>
+
+<file path=ppt/slides/slide31.xml><?xml version="1.0" encoding="utf-8"?>
+<p:sld xmlns:a="http://schemas.openxmlformats.org/drawingml/2006/main" xmlns:r="http://schemas.openxmlformats.org/officeDocument/2006/relationships" xmlns:p="http://schemas.openxmlformats.org/presentationml/2006/main">
+  <p:cSld>
+    <p:spTree>
+      <p:nvGrpSpPr>
+        <p:cNvPr id="1" name=""/>
+        <p:cNvGrpSpPr/>
+        <p:nvPr/>
+      </p:nvGrpSpPr>
+      <p:grpSpPr>
+        <a:xfrm>
+          <a:off x="0" y="0"/>
+          <a:ext cx="0" cy="0"/>
+          <a:chOff x="0" y="0"/>
+          <a:chExt cx="0" cy="0"/>
+        </a:xfrm>
+      </p:grpSpPr>
+      <p:sp>
+        <p:nvSpPr>
+          <p:cNvPr id="2" name="Title 1"/>
+          <p:cNvSpPr>
+            <a:spLocks noGrp="1"/>
+          </p:cNvSpPr>
+          <p:nvPr>
+            <p:ph type="title"/>
+          </p:nvPr>
+        </p:nvSpPr>
+        <p:spPr/>
+        <p:txBody>
+          <a:bodyPr/>
+          <a:lstStyle/>
+          <a:p>
+            <a:endParaRPr lang="en-US"/>
+          </a:p>
+        </p:txBody>
+      </p:sp>
+      <p:sp>
+        <p:nvSpPr>
+          <p:cNvPr id="3" name="Text Placeholder 2"/>
+          <p:cNvSpPr>
+            <a:spLocks noGrp="1"/>
+          </p:cNvSpPr>
+          <p:nvPr>
+            <p:ph type="body" idx="1"/>
+          </p:nvPr>
+        </p:nvSpPr>
+        <p:spPr/>
+        <p:txBody>
+          <a:bodyPr/>
+          <a:lstStyle/>
+          <a:p>
+            <a:endParaRPr lang="en-US"/>
+          </a:p>
+        </p:txBody>
+      </p:sp>
+      <p:pic>
+        <p:nvPicPr>
+          <p:cNvPr id="4" name="Picture 3" descr="Screen Shot 2015-12-17 at 11.11.01.png"/>
+          <p:cNvPicPr>
+            <a:picLocks noChangeAspect="1"/>
+          </p:cNvPicPr>
+          <p:nvPr/>
+        </p:nvPicPr>
+        <p:blipFill>
+          <a:blip r:embed="rId2">
+            <a:extLst>
+              <a:ext uri="{28A0092B-C50C-407E-A947-70E740481C1C}">
+                <a14:useLocalDpi xmlns:a14="http://schemas.microsoft.com/office/drawing/2010/main" val="0"/>
+              </a:ext>
+            </a:extLst>
+          </a:blip>
+          <a:stretch>
+            <a:fillRect/>
+          </a:stretch>
+        </p:blipFill>
+        <p:spPr>
+          <a:xfrm>
+            <a:off x="2523887" y="0"/>
+            <a:ext cx="6415556" cy="6858000"/>
+          </a:xfrm>
+          <a:prstGeom prst="rect">
+            <a:avLst/>
+          </a:prstGeom>
+        </p:spPr>
+      </p:pic>
+    </p:spTree>
+    <p:extLst>
+      <p:ext uri="{BB962C8B-B14F-4D97-AF65-F5344CB8AC3E}">
+        <p14:creationId xmlns:p14="http://schemas.microsoft.com/office/powerpoint/2010/main" val="844754069"/>
+      </p:ext>
+    </p:extLst>
+  </p:cSld>
+  <p:clrMapOvr>
+    <a:masterClrMapping/>
+  </p:clrMapOvr>
+  <p:timing>
+    <p:tnLst>
+      <p:par>
+        <p:cTn xmlns:p14="http://schemas.microsoft.com/office/powerpoint/2010/main" id="1" dur="indefinite" restart="never" nodeType="tmRoot"/>
+      </p:par>
+    </p:tnLst>
+  </p:timing>
+</p:sld>
+</file>
+
+<file path=ppt/slides/slide32.xml><?xml version="1.0" encoding="utf-8"?>
+<p:sld xmlns:a="http://schemas.openxmlformats.org/drawingml/2006/main" xmlns:r="http://schemas.openxmlformats.org/officeDocument/2006/relationships" xmlns:p="http://schemas.openxmlformats.org/presentationml/2006/main">
+  <p:cSld>
+    <p:spTree>
+      <p:nvGrpSpPr>
+        <p:cNvPr id="1" name=""/>
+        <p:cNvGrpSpPr/>
+        <p:nvPr/>
+      </p:nvGrpSpPr>
+      <p:grpSpPr>
+        <a:xfrm>
+          <a:off x="0" y="0"/>
+          <a:ext cx="0" cy="0"/>
+          <a:chOff x="0" y="0"/>
+          <a:chExt cx="0" cy="0"/>
+        </a:xfrm>
+      </p:grpSpPr>
+      <p:sp>
+        <p:nvSpPr>
+          <p:cNvPr id="2" name="Title 1"/>
+          <p:cNvSpPr>
+            <a:spLocks noGrp="1"/>
+          </p:cNvSpPr>
+          <p:nvPr>
+            <p:ph type="title"/>
+          </p:nvPr>
+        </p:nvSpPr>
+        <p:spPr/>
+        <p:txBody>
+          <a:bodyPr/>
+          <a:lstStyle/>
+          <a:p>
+            <a:endParaRPr lang="en-US"/>
+          </a:p>
+        </p:txBody>
+      </p:sp>
+      <p:sp>
+        <p:nvSpPr>
+          <p:cNvPr id="3" name="Text Placeholder 2"/>
+          <p:cNvSpPr>
+            <a:spLocks noGrp="1"/>
+          </p:cNvSpPr>
+          <p:nvPr>
+            <p:ph type="body" idx="1"/>
+          </p:nvPr>
+        </p:nvSpPr>
+        <p:spPr/>
+        <p:txBody>
+          <a:bodyPr/>
+          <a:lstStyle/>
+          <a:p>
+            <a:endParaRPr lang="en-US"/>
+          </a:p>
+        </p:txBody>
+      </p:sp>
+      <p:pic>
+        <p:nvPicPr>
+          <p:cNvPr id="4" name="Picture 3" descr="Screen Shot 2015-12-17 at 11.11.10.png"/>
+          <p:cNvPicPr>
+            <a:picLocks noChangeAspect="1"/>
+          </p:cNvPicPr>
+          <p:nvPr/>
+        </p:nvPicPr>
+        <p:blipFill>
+          <a:blip r:embed="rId2">
+            <a:extLst>
+              <a:ext uri="{28A0092B-C50C-407E-A947-70E740481C1C}">
+                <a14:useLocalDpi xmlns:a14="http://schemas.microsoft.com/office/drawing/2010/main" val="0"/>
+              </a:ext>
+            </a:extLst>
+          </a:blip>
+          <a:stretch>
+            <a:fillRect/>
+          </a:stretch>
+        </p:blipFill>
+        <p:spPr>
+          <a:xfrm>
+            <a:off x="3359149" y="0"/>
+            <a:ext cx="5473700" cy="6515100"/>
+          </a:xfrm>
+          <a:prstGeom prst="rect">
+            <a:avLst/>
+          </a:prstGeom>
+        </p:spPr>
+      </p:pic>
+    </p:spTree>
+    <p:extLst>
+      <p:ext uri="{BB962C8B-B14F-4D97-AF65-F5344CB8AC3E}">
+        <p14:creationId xmlns:p14="http://schemas.microsoft.com/office/powerpoint/2010/main" val="765294940"/>
+      </p:ext>
+    </p:extLst>
+  </p:cSld>
+  <p:clrMapOvr>
+    <a:masterClrMapping/>
+  </p:clrMapOvr>
+  <p:timing>
+    <p:tnLst>
+      <p:par>
+        <p:cTn xmlns:p14="http://schemas.microsoft.com/office/powerpoint/2010/main" id="1" dur="indefinite" restart="never" nodeType="tmRoot"/>
+      </p:par>
+    </p:tnLst>
+  </p:timing>
+</p:sld>
+</file>
+
+<file path=ppt/slides/slide33.xml><?xml version="1.0" encoding="utf-8"?>
+<p:sld xmlns:a="http://schemas.openxmlformats.org/drawingml/2006/main" xmlns:r="http://schemas.openxmlformats.org/officeDocument/2006/relationships" xmlns:p="http://schemas.openxmlformats.org/presentationml/2006/main">
+  <p:cSld>
+    <p:spTree>
+      <p:nvGrpSpPr>
+        <p:cNvPr id="1" name=""/>
+        <p:cNvGrpSpPr/>
+        <p:nvPr/>
+      </p:nvGrpSpPr>
+      <p:grpSpPr>
+        <a:xfrm>
+          <a:off x="0" y="0"/>
+          <a:ext cx="0" cy="0"/>
+          <a:chOff x="0" y="0"/>
+          <a:chExt cx="0" cy="0"/>
+        </a:xfrm>
+      </p:grpSpPr>
+      <p:sp>
+        <p:nvSpPr>
+          <p:cNvPr id="2" name="Title 1"/>
+          <p:cNvSpPr>
+            <a:spLocks noGrp="1"/>
+          </p:cNvSpPr>
+          <p:nvPr>
+            <p:ph type="title"/>
+          </p:nvPr>
+        </p:nvSpPr>
+        <p:spPr/>
+        <p:txBody>
+          <a:bodyPr/>
+          <a:lstStyle/>
+          <a:p>
+            <a:r>
+              <a:rPr lang="en-US" dirty="0" smtClean="0"/>
+              <a:t>Thank you for listening</a:t>
+            </a:r>
+            <a:endParaRPr lang="en-US" dirty="0"/>
+          </a:p>
+        </p:txBody>
+      </p:sp>
+      <p:sp>
+        <p:nvSpPr>
+          <p:cNvPr id="3" name="Text Placeholder 2"/>
+          <p:cNvSpPr>
+            <a:spLocks noGrp="1"/>
+          </p:cNvSpPr>
+          <p:nvPr>
+            <p:ph type="body" idx="1"/>
+          </p:nvPr>
+        </p:nvSpPr>
+        <p:spPr/>
+        <p:txBody>
+          <a:bodyPr/>
+          <a:lstStyle/>
+          <a:p>
+            <a:pPr algn="r"/>
+            <a:r>
+              <a:rPr lang="en-US" dirty="0" smtClean="0"/>
+              <a:t>ANY QUESTION ?</a:t>
+            </a:r>
+            <a:endParaRPr lang="en-US" dirty="0"/>
+          </a:p>
+        </p:txBody>
+      </p:sp>
+    </p:spTree>
+    <p:extLst>
+      <p:ext uri="{BB962C8B-B14F-4D97-AF65-F5344CB8AC3E}">
+        <p14:creationId xmlns:p14="http://schemas.microsoft.com/office/powerpoint/2010/main" val="2260489820"/>
       </p:ext>
     </p:extLst>
   </p:cSld>
@@ -10852,14 +12122,14 @@
           </a:ln>
           <a:effectLst/>
           <a:extLst>
-            <a:ext uri="{909E8E84-426E-40DD-AFC4-6F175D3DCCD1}">
+            <a:ext uri="{909E8E84-426E-40dd-AFC4-6F175D3DCCD1}">
               <a14:hiddenFill xmlns:a14="http://schemas.microsoft.com/office/drawing/2010/main">
                 <a:solidFill>
                   <a:schemeClr val="accent1"/>
                 </a:solidFill>
               </a14:hiddenFill>
             </a:ext>
-            <a:ext uri="{91240B29-F687-4F45-9708-019B960494DF}">
+            <a:ext uri="{91240B29-F687-4f45-9708-019B960494DF}">
               <a14:hiddenLine xmlns:a14="http://schemas.microsoft.com/office/drawing/2010/main" w="9525">
                 <a:solidFill>
                   <a:schemeClr val="tx1"/>
@@ -10869,7 +12139,7 @@
                 <a:tailEnd/>
               </a14:hiddenLine>
             </a:ext>
-            <a:ext uri="{AF507438-7753-43E0-B8FC-AC1667EBCBE1}">
+            <a:ext uri="{AF507438-7753-43e0-B8FC-AC1667EBCBE1}">
               <a14:hiddenEffects xmlns:a14="http://schemas.microsoft.com/office/drawing/2010/main">
                 <a:effectLst>
                   <a:outerShdw dist="35921" dir="2700000" algn="ctr" rotWithShape="0">
@@ -10904,6 +12174,13 @@
   <p:clrMapOvr>
     <a:masterClrMapping/>
   </p:clrMapOvr>
+  <p:timing>
+    <p:tnLst>
+      <p:par>
+        <p:cTn xmlns:p14="http://schemas.microsoft.com/office/powerpoint/2010/main" id="1" dur="indefinite" restart="never" nodeType="tmRoot"/>
+      </p:par>
+    </p:tnLst>
+  </p:timing>
 </p:sld>
 </file>
 
@@ -11049,6 +12326,13 @@
   <p:clrMapOvr>
     <a:masterClrMapping/>
   </p:clrMapOvr>
+  <p:timing>
+    <p:tnLst>
+      <p:par>
+        <p:cTn xmlns:p14="http://schemas.microsoft.com/office/powerpoint/2010/main" id="1" dur="indefinite" restart="never" nodeType="tmRoot"/>
+      </p:par>
+    </p:tnLst>
+  </p:timing>
 </p:sld>
 </file>
 
@@ -11114,7 +12398,7 @@
               </a:lnSpc>
             </a:pPr>
             <a:r>
-              <a:rPr lang="en-US" altLang="tr-TR" sz="2100"/>
+              <a:rPr lang="en-US" altLang="tr-TR" sz="2100" dirty="0"/>
               <a:t>A summary of commercial DSS system show seven types of DSS:</a:t>
             </a:r>
           </a:p>
@@ -11125,7 +12409,7 @@
               </a:lnSpc>
             </a:pPr>
             <a:r>
-              <a:rPr lang="en-US" altLang="tr-TR" sz="2000" b="1">
+              <a:rPr lang="en-US" altLang="tr-TR" sz="2000" b="1" dirty="0">
                 <a:solidFill>
                   <a:schemeClr val="bg2"/>
                 </a:solidFill>
@@ -11133,7 +12417,7 @@
               <a:t>File Drawer Systems</a:t>
             </a:r>
             <a:r>
-              <a:rPr lang="en-US" altLang="tr-TR" sz="2000">
+              <a:rPr lang="en-US" altLang="tr-TR" sz="2000" dirty="0">
                 <a:solidFill>
                   <a:schemeClr val="bg2"/>
                 </a:solidFill>
@@ -11141,7 +12425,7 @@
               <a:t>,</a:t>
             </a:r>
             <a:r>
-              <a:rPr lang="en-US" altLang="tr-TR" sz="2000"/>
+              <a:rPr lang="en-US" altLang="tr-TR" sz="2000" dirty="0"/>
               <a:t> that provide access to the data items.</a:t>
             </a:r>
           </a:p>
@@ -11152,7 +12436,7 @@
               </a:lnSpc>
             </a:pPr>
             <a:r>
-              <a:rPr lang="en-US" altLang="tr-TR" sz="2000" b="1">
+              <a:rPr lang="en-US" altLang="tr-TR" sz="2000" b="1" dirty="0">
                 <a:solidFill>
                   <a:schemeClr val="bg2"/>
                 </a:solidFill>
@@ -11160,7 +12444,7 @@
               <a:t>Data Analysis systems</a:t>
             </a:r>
             <a:r>
-              <a:rPr lang="en-US" altLang="tr-TR" sz="2000"/>
+              <a:rPr lang="en-US" altLang="tr-TR" sz="2000" dirty="0"/>
               <a:t>, that support manipulation of data by computerized tools for a specific task.</a:t>
             </a:r>
           </a:p>
@@ -11171,7 +12455,7 @@
               </a:lnSpc>
             </a:pPr>
             <a:r>
-              <a:rPr lang="en-US" altLang="tr-TR" sz="2000" b="1">
+              <a:rPr lang="en-US" altLang="tr-TR" sz="2000" b="1" dirty="0">
                 <a:solidFill>
                   <a:schemeClr val="bg2"/>
                 </a:solidFill>
@@ -11179,7 +12463,7 @@
               <a:t>Analysis Information systems,</a:t>
             </a:r>
             <a:r>
-              <a:rPr lang="en-US" altLang="tr-TR" sz="2000"/>
+              <a:rPr lang="en-US" altLang="tr-TR" sz="2000" dirty="0"/>
               <a:t> that provide access to a series of decision oriented databases and small models.</a:t>
             </a:r>
           </a:p>
@@ -11190,7 +12474,7 @@
               </a:lnSpc>
             </a:pPr>
             <a:r>
-              <a:rPr lang="en-US" altLang="tr-TR" sz="2000" b="1">
+              <a:rPr lang="en-US" altLang="tr-TR" sz="2000" b="1" dirty="0">
                 <a:solidFill>
                   <a:schemeClr val="bg2"/>
                 </a:solidFill>
@@ -11198,7 +12482,7 @@
               <a:t>Accounting and financial models,</a:t>
             </a:r>
             <a:r>
-              <a:rPr lang="en-US" altLang="tr-TR" sz="2000"/>
+              <a:rPr lang="en-US" altLang="tr-TR" sz="2000" dirty="0"/>
               <a:t> that calculates the consequences of possible actions.</a:t>
             </a:r>
           </a:p>
@@ -11209,7 +12493,7 @@
               </a:lnSpc>
             </a:pPr>
             <a:r>
-              <a:rPr lang="en-US" altLang="tr-TR" sz="2000" b="1">
+              <a:rPr lang="en-US" altLang="tr-TR" sz="2000" b="1" dirty="0">
                 <a:solidFill>
                   <a:schemeClr val="bg2"/>
                 </a:solidFill>
@@ -11217,7 +12501,7 @@
               <a:t>Representational model</a:t>
             </a:r>
             <a:r>
-              <a:rPr lang="en-US" altLang="tr-TR" sz="2000"/>
+              <a:rPr lang="en-US" altLang="tr-TR" sz="2000" dirty="0"/>
               <a:t>, that estimates the consequences of actions based on simulation models.</a:t>
             </a:r>
           </a:p>
@@ -11228,7 +12512,7 @@
               </a:lnSpc>
             </a:pPr>
             <a:r>
-              <a:rPr lang="en-US" altLang="tr-TR" sz="2000" b="1">
+              <a:rPr lang="en-US" altLang="tr-TR" sz="2000" b="1" dirty="0">
                 <a:solidFill>
                   <a:schemeClr val="bg2"/>
                 </a:solidFill>
@@ -11236,7 +12520,7 @@
               <a:t>Optimization models</a:t>
             </a:r>
             <a:r>
-              <a:rPr lang="en-US" altLang="tr-TR" sz="2000"/>
+              <a:rPr lang="en-US" altLang="tr-TR" sz="2000" dirty="0"/>
               <a:t>, that provide guidelines for action by generating an optimal solution</a:t>
             </a:r>
           </a:p>
@@ -11247,7 +12531,7 @@
               </a:lnSpc>
             </a:pPr>
             <a:r>
-              <a:rPr lang="en-US" altLang="tr-TR" sz="2000" b="1">
+              <a:rPr lang="en-US" altLang="tr-TR" sz="2000" b="1" dirty="0">
                 <a:solidFill>
                   <a:schemeClr val="bg2"/>
                 </a:solidFill>
@@ -11255,7 +12539,7 @@
               <a:t>Suggestion models</a:t>
             </a:r>
             <a:r>
-              <a:rPr lang="en-US" altLang="tr-TR" sz="2000"/>
+              <a:rPr lang="en-US" altLang="tr-TR" sz="2000" dirty="0"/>
               <a:t>, that perform the logical processing to a specific suggested decision for a task.</a:t>
             </a:r>
           </a:p>
@@ -11271,6 +12555,13 @@
   <p:clrMapOvr>
     <a:masterClrMapping/>
   </p:clrMapOvr>
+  <p:timing>
+    <p:tnLst>
+      <p:par>
+        <p:cTn xmlns:p14="http://schemas.microsoft.com/office/powerpoint/2010/main" id="1" dur="indefinite" restart="never" nodeType="tmRoot"/>
+      </p:par>
+    </p:tnLst>
+  </p:timing>
 </p:sld>
 </file>
 
@@ -11540,6 +12831,13 @@
   <p:clrMapOvr>
     <a:masterClrMapping/>
   </p:clrMapOvr>
+  <p:timing>
+    <p:tnLst>
+      <p:par>
+        <p:cTn xmlns:p14="http://schemas.microsoft.com/office/powerpoint/2010/main" id="1" dur="indefinite" restart="never" nodeType="tmRoot"/>
+      </p:par>
+    </p:tnLst>
+  </p:timing>
 </p:sld>
 </file>
 
@@ -11664,6 +12962,13 @@
   <p:clrMapOvr>
     <a:masterClrMapping/>
   </p:clrMapOvr>
+  <p:timing>
+    <p:tnLst>
+      <p:par>
+        <p:cTn xmlns:p14="http://schemas.microsoft.com/office/powerpoint/2010/main" id="1" dur="indefinite" restart="never" nodeType="tmRoot"/>
+      </p:par>
+    </p:tnLst>
+  </p:timing>
 </p:sld>
 </file>
 
@@ -11826,6 +13131,13 @@
   <p:clrMapOvr>
     <a:masterClrMapping/>
   </p:clrMapOvr>
+  <p:timing>
+    <p:tnLst>
+      <p:par>
+        <p:cTn xmlns:p14="http://schemas.microsoft.com/office/powerpoint/2010/main" id="1" dur="indefinite" restart="never" nodeType="tmRoot"/>
+      </p:par>
+    </p:tnLst>
+  </p:timing>
 </p:sld>
 </file>
 
@@ -12125,7 +13437,7 @@
     </a:clrScheme>
     <a:fontScheme name="Office">
       <a:majorFont>
-        <a:latin typeface="Calibri Light" panose="020F0302020204030204"/>
+        <a:latin typeface="Calibri Light"/>
         <a:ea typeface=""/>
         <a:cs typeface=""/>
         <a:font script="Jpan" typeface="游ゴシック Light"/>
@@ -12160,7 +13472,7 @@
         <a:font script="Geor" typeface="Sylfaen"/>
       </a:majorFont>
       <a:minorFont>
-        <a:latin typeface="Calibri" panose="020F0502020204030204"/>
+        <a:latin typeface="Calibri"/>
         <a:ea typeface=""/>
         <a:cs typeface=""/>
         <a:font script="Jpan" typeface="游ゴシック"/>
@@ -12337,7 +13649,7 @@
   <a:extraClrSchemeLst/>
   <a:extLst>
     <a:ext uri="{05A4C25C-085E-4340-85A3-A5531E510DB2}">
-      <thm15:themeFamily xmlns:thm15="http://schemas.microsoft.com/office/thememl/2012/main" name="Office Theme" id="{62F939B6-93AF-4DB8-9C6B-D6C7DFDC589F}" vid="{4A3C46E8-61CC-4603-A589-7422A47A8E4A}"/>
+      <thm15:themeFamily xmlns:thm15="http://schemas.microsoft.com/office/thememl/2012/main" xmlns="" name="Office Theme" id="{62F939B6-93AF-4DB8-9C6B-D6C7DFDC589F}" vid="{4A3C46E8-61CC-4603-A589-7422A47A8E4A}"/>
     </a:ext>
   </a:extLst>
 </a:theme>
